--- a/게임소프트웨어공학/Git0.pptx
+++ b/게임소프트웨어공학/Git0.pptx
@@ -4,6 +4,9 @@
   <p:sldMasterIdLst>
     <p:sldMasterId id="2147483648" r:id="rId1"/>
   </p:sldMasterIdLst>
+  <p:notesMasterIdLst>
+    <p:notesMasterId r:id="rId15"/>
+  </p:notesMasterIdLst>
   <p:sldIdLst>
     <p:sldId id="256" r:id="rId2"/>
     <p:sldId id="257" r:id="rId3"/>
@@ -119,6 +122,551 @@
 </p:presentation>
 </file>
 
+<file path=ppt/notesMasters/notesMaster1.xml><?xml version="1.0" encoding="utf-8"?>
+<p:notesMaster xmlns:a="http://schemas.openxmlformats.org/drawingml/2006/main" xmlns:r="http://schemas.openxmlformats.org/officeDocument/2006/relationships" xmlns:p="http://schemas.openxmlformats.org/presentationml/2006/main">
+  <p:cSld>
+    <p:bg>
+      <p:bgRef idx="1001">
+        <a:schemeClr val="bg1"/>
+      </p:bgRef>
+    </p:bg>
+    <p:spTree>
+      <p:nvGrpSpPr>
+        <p:cNvPr id="1" name=""/>
+        <p:cNvGrpSpPr/>
+        <p:nvPr/>
+      </p:nvGrpSpPr>
+      <p:grpSpPr>
+        <a:xfrm>
+          <a:off x="0" y="0"/>
+          <a:ext cx="0" cy="0"/>
+          <a:chOff x="0" y="0"/>
+          <a:chExt cx="0" cy="0"/>
+        </a:xfrm>
+      </p:grpSpPr>
+      <p:sp>
+        <p:nvSpPr>
+          <p:cNvPr id="2" name="머리글 개체 틀 1"/>
+          <p:cNvSpPr>
+            <a:spLocks noGrp="1"/>
+          </p:cNvSpPr>
+          <p:nvPr>
+            <p:ph type="hdr" sz="quarter"/>
+          </p:nvPr>
+        </p:nvSpPr>
+        <p:spPr>
+          <a:xfrm>
+            <a:off x="0" y="0"/>
+            <a:ext cx="2971800" cy="457200"/>
+          </a:xfrm>
+          <a:prstGeom prst="rect">
+            <a:avLst/>
+          </a:prstGeom>
+        </p:spPr>
+        <p:txBody>
+          <a:bodyPr vert="horz" lIns="91440" tIns="45720" rIns="91440" bIns="45720" rtlCol="0"/>
+          <a:lstStyle>
+            <a:lvl1pPr algn="l">
+              <a:defRPr sz="1200"/>
+            </a:lvl1pPr>
+          </a:lstStyle>
+          <a:p>
+            <a:endParaRPr lang="ko-KR" altLang="en-US"/>
+          </a:p>
+        </p:txBody>
+      </p:sp>
+      <p:sp>
+        <p:nvSpPr>
+          <p:cNvPr id="3" name="날짜 개체 틀 2"/>
+          <p:cNvSpPr>
+            <a:spLocks noGrp="1"/>
+          </p:cNvSpPr>
+          <p:nvPr>
+            <p:ph type="dt" idx="1"/>
+          </p:nvPr>
+        </p:nvSpPr>
+        <p:spPr>
+          <a:xfrm>
+            <a:off x="3884613" y="0"/>
+            <a:ext cx="2971800" cy="457200"/>
+          </a:xfrm>
+          <a:prstGeom prst="rect">
+            <a:avLst/>
+          </a:prstGeom>
+        </p:spPr>
+        <p:txBody>
+          <a:bodyPr vert="horz" lIns="91440" tIns="45720" rIns="91440" bIns="45720" rtlCol="0"/>
+          <a:lstStyle>
+            <a:lvl1pPr algn="r">
+              <a:defRPr sz="1200"/>
+            </a:lvl1pPr>
+          </a:lstStyle>
+          <a:p>
+            <a:fld id="{90A5908E-8E6F-4AE2-9504-1475B8A3488D}" type="datetimeFigureOut">
+              <a:rPr lang="ko-KR" altLang="en-US" smtClean="0"/>
+              <a:t>2019-10-10</a:t>
+            </a:fld>
+            <a:endParaRPr lang="ko-KR" altLang="en-US"/>
+          </a:p>
+        </p:txBody>
+      </p:sp>
+      <p:sp>
+        <p:nvSpPr>
+          <p:cNvPr id="4" name="슬라이드 이미지 개체 틀 3"/>
+          <p:cNvSpPr>
+            <a:spLocks noGrp="1" noRot="1" noChangeAspect="1"/>
+          </p:cNvSpPr>
+          <p:nvPr>
+            <p:ph type="sldImg" idx="2"/>
+          </p:nvPr>
+        </p:nvSpPr>
+        <p:spPr>
+          <a:xfrm>
+            <a:off x="381000" y="685800"/>
+            <a:ext cx="6096000" cy="3429000"/>
+          </a:xfrm>
+          <a:prstGeom prst="rect">
+            <a:avLst/>
+          </a:prstGeom>
+          <a:noFill/>
+          <a:ln w="12700">
+            <a:solidFill>
+              <a:prstClr val="black"/>
+            </a:solidFill>
+          </a:ln>
+        </p:spPr>
+        <p:txBody>
+          <a:bodyPr vert="horz" lIns="91440" tIns="45720" rIns="91440" bIns="45720" rtlCol="0" anchor="ctr"/>
+          <a:lstStyle/>
+          <a:p>
+            <a:endParaRPr lang="ko-KR" altLang="en-US"/>
+          </a:p>
+        </p:txBody>
+      </p:sp>
+      <p:sp>
+        <p:nvSpPr>
+          <p:cNvPr id="5" name="슬라이드 노트 개체 틀 4"/>
+          <p:cNvSpPr>
+            <a:spLocks noGrp="1"/>
+          </p:cNvSpPr>
+          <p:nvPr>
+            <p:ph type="body" sz="quarter" idx="3"/>
+          </p:nvPr>
+        </p:nvSpPr>
+        <p:spPr>
+          <a:xfrm>
+            <a:off x="685800" y="4343400"/>
+            <a:ext cx="5486400" cy="4114800"/>
+          </a:xfrm>
+          <a:prstGeom prst="rect">
+            <a:avLst/>
+          </a:prstGeom>
+        </p:spPr>
+        <p:txBody>
+          <a:bodyPr vert="horz" lIns="91440" tIns="45720" rIns="91440" bIns="45720" rtlCol="0"/>
+          <a:lstStyle/>
+          <a:p>
+            <a:pPr lvl="0"/>
+            <a:r>
+              <a:rPr lang="ko-KR" altLang="en-US" smtClean="0"/>
+              <a:t>마스터 텍스트 스타일을 편집합니다</a:t>
+            </a:r>
+          </a:p>
+          <a:p>
+            <a:pPr lvl="1"/>
+            <a:r>
+              <a:rPr lang="ko-KR" altLang="en-US" smtClean="0"/>
+              <a:t>둘째 수준</a:t>
+            </a:r>
+          </a:p>
+          <a:p>
+            <a:pPr lvl="2"/>
+            <a:r>
+              <a:rPr lang="ko-KR" altLang="en-US" smtClean="0"/>
+              <a:t>셋째 수준</a:t>
+            </a:r>
+          </a:p>
+          <a:p>
+            <a:pPr lvl="3"/>
+            <a:r>
+              <a:rPr lang="ko-KR" altLang="en-US" smtClean="0"/>
+              <a:t>넷째 수준</a:t>
+            </a:r>
+          </a:p>
+          <a:p>
+            <a:pPr lvl="4"/>
+            <a:r>
+              <a:rPr lang="ko-KR" altLang="en-US" smtClean="0"/>
+              <a:t>다섯째 수준</a:t>
+            </a:r>
+            <a:endParaRPr lang="ko-KR" altLang="en-US"/>
+          </a:p>
+        </p:txBody>
+      </p:sp>
+      <p:sp>
+        <p:nvSpPr>
+          <p:cNvPr id="6" name="바닥글 개체 틀 5"/>
+          <p:cNvSpPr>
+            <a:spLocks noGrp="1"/>
+          </p:cNvSpPr>
+          <p:nvPr>
+            <p:ph type="ftr" sz="quarter" idx="4"/>
+          </p:nvPr>
+        </p:nvSpPr>
+        <p:spPr>
+          <a:xfrm>
+            <a:off x="0" y="8685213"/>
+            <a:ext cx="2971800" cy="457200"/>
+          </a:xfrm>
+          <a:prstGeom prst="rect">
+            <a:avLst/>
+          </a:prstGeom>
+        </p:spPr>
+        <p:txBody>
+          <a:bodyPr vert="horz" lIns="91440" tIns="45720" rIns="91440" bIns="45720" rtlCol="0" anchor="b"/>
+          <a:lstStyle>
+            <a:lvl1pPr algn="l">
+              <a:defRPr sz="1200"/>
+            </a:lvl1pPr>
+          </a:lstStyle>
+          <a:p>
+            <a:endParaRPr lang="ko-KR" altLang="en-US"/>
+          </a:p>
+        </p:txBody>
+      </p:sp>
+      <p:sp>
+        <p:nvSpPr>
+          <p:cNvPr id="7" name="슬라이드 번호 개체 틀 6"/>
+          <p:cNvSpPr>
+            <a:spLocks noGrp="1"/>
+          </p:cNvSpPr>
+          <p:nvPr>
+            <p:ph type="sldNum" sz="quarter" idx="5"/>
+          </p:nvPr>
+        </p:nvSpPr>
+        <p:spPr>
+          <a:xfrm>
+            <a:off x="3884613" y="8685213"/>
+            <a:ext cx="2971800" cy="457200"/>
+          </a:xfrm>
+          <a:prstGeom prst="rect">
+            <a:avLst/>
+          </a:prstGeom>
+        </p:spPr>
+        <p:txBody>
+          <a:bodyPr vert="horz" lIns="91440" tIns="45720" rIns="91440" bIns="45720" rtlCol="0" anchor="b"/>
+          <a:lstStyle>
+            <a:lvl1pPr algn="r">
+              <a:defRPr sz="1200"/>
+            </a:lvl1pPr>
+          </a:lstStyle>
+          <a:p>
+            <a:fld id="{370F91B3-F17C-4B13-B0C9-D97E0CA16F0E}" type="slidenum">
+              <a:rPr lang="ko-KR" altLang="en-US" smtClean="0"/>
+              <a:t>‹#›</a:t>
+            </a:fld>
+            <a:endParaRPr lang="ko-KR" altLang="en-US"/>
+          </a:p>
+        </p:txBody>
+      </p:sp>
+    </p:spTree>
+    <p:extLst>
+      <p:ext uri="{BB962C8B-B14F-4D97-AF65-F5344CB8AC3E}">
+        <p14:creationId xmlns:p14="http://schemas.microsoft.com/office/powerpoint/2010/main" val="2367881924"/>
+      </p:ext>
+    </p:extLst>
+  </p:cSld>
+  <p:clrMap bg1="lt1" tx1="dk1" bg2="lt2" tx2="dk2" accent1="accent1" accent2="accent2" accent3="accent3" accent4="accent4" accent5="accent5" accent6="accent6" hlink="hlink" folHlink="folHlink"/>
+  <p:notesStyle>
+    <a:lvl1pPr marL="0" algn="l" defTabSz="914400" rtl="0" eaLnBrk="1" latinLnBrk="1" hangingPunct="1">
+      <a:defRPr sz="1200" kern="1200">
+        <a:solidFill>
+          <a:schemeClr val="tx1"/>
+        </a:solidFill>
+        <a:latin typeface="+mn-lt"/>
+        <a:ea typeface="+mn-ea"/>
+        <a:cs typeface="+mn-cs"/>
+      </a:defRPr>
+    </a:lvl1pPr>
+    <a:lvl2pPr marL="457200" algn="l" defTabSz="914400" rtl="0" eaLnBrk="1" latinLnBrk="1" hangingPunct="1">
+      <a:defRPr sz="1200" kern="1200">
+        <a:solidFill>
+          <a:schemeClr val="tx1"/>
+        </a:solidFill>
+        <a:latin typeface="+mn-lt"/>
+        <a:ea typeface="+mn-ea"/>
+        <a:cs typeface="+mn-cs"/>
+      </a:defRPr>
+    </a:lvl2pPr>
+    <a:lvl3pPr marL="914400" algn="l" defTabSz="914400" rtl="0" eaLnBrk="1" latinLnBrk="1" hangingPunct="1">
+      <a:defRPr sz="1200" kern="1200">
+        <a:solidFill>
+          <a:schemeClr val="tx1"/>
+        </a:solidFill>
+        <a:latin typeface="+mn-lt"/>
+        <a:ea typeface="+mn-ea"/>
+        <a:cs typeface="+mn-cs"/>
+      </a:defRPr>
+    </a:lvl3pPr>
+    <a:lvl4pPr marL="1371600" algn="l" defTabSz="914400" rtl="0" eaLnBrk="1" latinLnBrk="1" hangingPunct="1">
+      <a:defRPr sz="1200" kern="1200">
+        <a:solidFill>
+          <a:schemeClr val="tx1"/>
+        </a:solidFill>
+        <a:latin typeface="+mn-lt"/>
+        <a:ea typeface="+mn-ea"/>
+        <a:cs typeface="+mn-cs"/>
+      </a:defRPr>
+    </a:lvl4pPr>
+    <a:lvl5pPr marL="1828800" algn="l" defTabSz="914400" rtl="0" eaLnBrk="1" latinLnBrk="1" hangingPunct="1">
+      <a:defRPr sz="1200" kern="1200">
+        <a:solidFill>
+          <a:schemeClr val="tx1"/>
+        </a:solidFill>
+        <a:latin typeface="+mn-lt"/>
+        <a:ea typeface="+mn-ea"/>
+        <a:cs typeface="+mn-cs"/>
+      </a:defRPr>
+    </a:lvl5pPr>
+    <a:lvl6pPr marL="2286000" algn="l" defTabSz="914400" rtl="0" eaLnBrk="1" latinLnBrk="1" hangingPunct="1">
+      <a:defRPr sz="1200" kern="1200">
+        <a:solidFill>
+          <a:schemeClr val="tx1"/>
+        </a:solidFill>
+        <a:latin typeface="+mn-lt"/>
+        <a:ea typeface="+mn-ea"/>
+        <a:cs typeface="+mn-cs"/>
+      </a:defRPr>
+    </a:lvl6pPr>
+    <a:lvl7pPr marL="2743200" algn="l" defTabSz="914400" rtl="0" eaLnBrk="1" latinLnBrk="1" hangingPunct="1">
+      <a:defRPr sz="1200" kern="1200">
+        <a:solidFill>
+          <a:schemeClr val="tx1"/>
+        </a:solidFill>
+        <a:latin typeface="+mn-lt"/>
+        <a:ea typeface="+mn-ea"/>
+        <a:cs typeface="+mn-cs"/>
+      </a:defRPr>
+    </a:lvl7pPr>
+    <a:lvl8pPr marL="3200400" algn="l" defTabSz="914400" rtl="0" eaLnBrk="1" latinLnBrk="1" hangingPunct="1">
+      <a:defRPr sz="1200" kern="1200">
+        <a:solidFill>
+          <a:schemeClr val="tx1"/>
+        </a:solidFill>
+        <a:latin typeface="+mn-lt"/>
+        <a:ea typeface="+mn-ea"/>
+        <a:cs typeface="+mn-cs"/>
+      </a:defRPr>
+    </a:lvl8pPr>
+    <a:lvl9pPr marL="3657600" algn="l" defTabSz="914400" rtl="0" eaLnBrk="1" latinLnBrk="1" hangingPunct="1">
+      <a:defRPr sz="1200" kern="1200">
+        <a:solidFill>
+          <a:schemeClr val="tx1"/>
+        </a:solidFill>
+        <a:latin typeface="+mn-lt"/>
+        <a:ea typeface="+mn-ea"/>
+        <a:cs typeface="+mn-cs"/>
+      </a:defRPr>
+    </a:lvl9pPr>
+  </p:notesStyle>
+</p:notesMaster>
+</file>
+
+<file path=ppt/notesSlides/notesSlide1.xml><?xml version="1.0" encoding="utf-8"?>
+<p:notes xmlns:a="http://schemas.openxmlformats.org/drawingml/2006/main" xmlns:r="http://schemas.openxmlformats.org/officeDocument/2006/relationships" xmlns:p="http://schemas.openxmlformats.org/presentationml/2006/main">
+  <p:cSld>
+    <p:spTree>
+      <p:nvGrpSpPr>
+        <p:cNvPr id="1" name=""/>
+        <p:cNvGrpSpPr/>
+        <p:nvPr/>
+      </p:nvGrpSpPr>
+      <p:grpSpPr>
+        <a:xfrm>
+          <a:off x="0" y="0"/>
+          <a:ext cx="0" cy="0"/>
+          <a:chOff x="0" y="0"/>
+          <a:chExt cx="0" cy="0"/>
+        </a:xfrm>
+      </p:grpSpPr>
+      <p:sp>
+        <p:nvSpPr>
+          <p:cNvPr id="2" name="슬라이드 이미지 개체 틀 1"/>
+          <p:cNvSpPr>
+            <a:spLocks noGrp="1" noRot="1" noChangeAspect="1"/>
+          </p:cNvSpPr>
+          <p:nvPr>
+            <p:ph type="sldImg"/>
+          </p:nvPr>
+        </p:nvSpPr>
+        <p:spPr/>
+      </p:sp>
+      <p:sp>
+        <p:nvSpPr>
+          <p:cNvPr id="3" name="슬라이드 노트 개체 틀 2"/>
+          <p:cNvSpPr>
+            <a:spLocks noGrp="1"/>
+          </p:cNvSpPr>
+          <p:nvPr>
+            <p:ph type="body" idx="1"/>
+          </p:nvPr>
+        </p:nvSpPr>
+        <p:spPr/>
+        <p:txBody>
+          <a:bodyPr/>
+          <a:lstStyle/>
+          <a:p>
+            <a:r>
+              <a:rPr lang="en-US" altLang="ko-KR" dirty="0" smtClean="0"/>
+              <a:t>CVCS</a:t>
+            </a:r>
+            <a:r>
+              <a:rPr lang="en-US" altLang="ko-KR" baseline="0" dirty="0" smtClean="0"/>
+              <a:t> : </a:t>
+            </a:r>
+            <a:r>
+              <a:rPr lang="ko-KR" altLang="en-US" baseline="0" dirty="0" smtClean="0"/>
+              <a:t>파일 자체를 보관</a:t>
+            </a:r>
+            <a:endParaRPr lang="en-US" altLang="ko-KR" baseline="0" dirty="0" smtClean="0"/>
+          </a:p>
+          <a:p>
+            <a:r>
+              <a:rPr lang="en-US" altLang="ko-KR" baseline="0" dirty="0" smtClean="0"/>
+              <a:t>VCS : </a:t>
+            </a:r>
+            <a:r>
+              <a:rPr lang="ko-KR" altLang="en-US" baseline="0" dirty="0" smtClean="0"/>
+              <a:t>파일 링크를 보관</a:t>
+            </a:r>
+            <a:endParaRPr lang="ko-KR" altLang="en-US" dirty="0"/>
+          </a:p>
+        </p:txBody>
+      </p:sp>
+      <p:sp>
+        <p:nvSpPr>
+          <p:cNvPr id="4" name="슬라이드 번호 개체 틀 3"/>
+          <p:cNvSpPr>
+            <a:spLocks noGrp="1"/>
+          </p:cNvSpPr>
+          <p:nvPr>
+            <p:ph type="sldNum" sz="quarter" idx="10"/>
+          </p:nvPr>
+        </p:nvSpPr>
+        <p:spPr/>
+        <p:txBody>
+          <a:bodyPr/>
+          <a:lstStyle/>
+          <a:p>
+            <a:fld id="{370F91B3-F17C-4B13-B0C9-D97E0CA16F0E}" type="slidenum">
+              <a:rPr lang="ko-KR" altLang="en-US" smtClean="0"/>
+              <a:t>5</a:t>
+            </a:fld>
+            <a:endParaRPr lang="ko-KR" altLang="en-US"/>
+          </a:p>
+        </p:txBody>
+      </p:sp>
+    </p:spTree>
+    <p:extLst>
+      <p:ext uri="{BB962C8B-B14F-4D97-AF65-F5344CB8AC3E}">
+        <p14:creationId xmlns:p14="http://schemas.microsoft.com/office/powerpoint/2010/main" val="68640247"/>
+      </p:ext>
+    </p:extLst>
+  </p:cSld>
+  <p:clrMapOvr>
+    <a:masterClrMapping/>
+  </p:clrMapOvr>
+</p:notes>
+</file>
+
+<file path=ppt/notesSlides/notesSlide2.xml><?xml version="1.0" encoding="utf-8"?>
+<p:notes xmlns:a="http://schemas.openxmlformats.org/drawingml/2006/main" xmlns:r="http://schemas.openxmlformats.org/officeDocument/2006/relationships" xmlns:p="http://schemas.openxmlformats.org/presentationml/2006/main">
+  <p:cSld>
+    <p:spTree>
+      <p:nvGrpSpPr>
+        <p:cNvPr id="1" name=""/>
+        <p:cNvGrpSpPr/>
+        <p:nvPr/>
+      </p:nvGrpSpPr>
+      <p:grpSpPr>
+        <a:xfrm>
+          <a:off x="0" y="0"/>
+          <a:ext cx="0" cy="0"/>
+          <a:chOff x="0" y="0"/>
+          <a:chExt cx="0" cy="0"/>
+        </a:xfrm>
+      </p:grpSpPr>
+      <p:sp>
+        <p:nvSpPr>
+          <p:cNvPr id="2" name="슬라이드 이미지 개체 틀 1"/>
+          <p:cNvSpPr>
+            <a:spLocks noGrp="1" noRot="1" noChangeAspect="1"/>
+          </p:cNvSpPr>
+          <p:nvPr>
+            <p:ph type="sldImg"/>
+          </p:nvPr>
+        </p:nvSpPr>
+        <p:spPr/>
+      </p:sp>
+      <p:sp>
+        <p:nvSpPr>
+          <p:cNvPr id="3" name="슬라이드 노트 개체 틀 2"/>
+          <p:cNvSpPr>
+            <a:spLocks noGrp="1"/>
+          </p:cNvSpPr>
+          <p:nvPr>
+            <p:ph type="body" idx="1"/>
+          </p:nvPr>
+        </p:nvSpPr>
+        <p:spPr/>
+        <p:txBody>
+          <a:bodyPr/>
+          <a:lstStyle/>
+          <a:p>
+            <a:r>
+              <a:rPr lang="ko-KR" altLang="en-US" smtClean="0"/>
+              <a:t>잘 알아두자</a:t>
+            </a:r>
+            <a:endParaRPr lang="ko-KR" altLang="en-US"/>
+          </a:p>
+        </p:txBody>
+      </p:sp>
+      <p:sp>
+        <p:nvSpPr>
+          <p:cNvPr id="4" name="슬라이드 번호 개체 틀 3"/>
+          <p:cNvSpPr>
+            <a:spLocks noGrp="1"/>
+          </p:cNvSpPr>
+          <p:nvPr>
+            <p:ph type="sldNum" sz="quarter" idx="10"/>
+          </p:nvPr>
+        </p:nvSpPr>
+        <p:spPr/>
+        <p:txBody>
+          <a:bodyPr/>
+          <a:lstStyle/>
+          <a:p>
+            <a:fld id="{370F91B3-F17C-4B13-B0C9-D97E0CA16F0E}" type="slidenum">
+              <a:rPr lang="ko-KR" altLang="en-US" smtClean="0"/>
+              <a:t>13</a:t>
+            </a:fld>
+            <a:endParaRPr lang="ko-KR" altLang="en-US"/>
+          </a:p>
+        </p:txBody>
+      </p:sp>
+    </p:spTree>
+    <p:extLst>
+      <p:ext uri="{BB962C8B-B14F-4D97-AF65-F5344CB8AC3E}">
+        <p14:creationId xmlns:p14="http://schemas.microsoft.com/office/powerpoint/2010/main" val="1246186842"/>
+      </p:ext>
+    </p:extLst>
+  </p:cSld>
+  <p:clrMapOvr>
+    <a:masterClrMapping/>
+  </p:clrMapOvr>
+</p:notes>
+</file>
+
 <file path=ppt/slideLayouts/slideLayout1.xml><?xml version="1.0" encoding="utf-8"?>
 <p:sldLayout xmlns:a="http://schemas.openxmlformats.org/drawingml/2006/main" xmlns:r="http://schemas.openxmlformats.org/officeDocument/2006/relationships" xmlns:p="http://schemas.openxmlformats.org/presentationml/2006/main" type="title" preserve="1">
   <p:cSld name="제목 슬라이드">
@@ -250,7 +798,7 @@
           <a:p>
             <a:fld id="{493C7343-E182-4B90-880C-3D28E6B66466}" type="datetimeFigureOut">
               <a:rPr lang="ko-KR" altLang="en-US" smtClean="0"/>
-              <a:t>2019-10-07</a:t>
+              <a:t>2019-10-10</a:t>
             </a:fld>
             <a:endParaRPr lang="ko-KR" altLang="en-US"/>
           </a:p>
@@ -420,7 +968,7 @@
           <a:p>
             <a:fld id="{493C7343-E182-4B90-880C-3D28E6B66466}" type="datetimeFigureOut">
               <a:rPr lang="ko-KR" altLang="en-US" smtClean="0"/>
-              <a:t>2019-10-07</a:t>
+              <a:t>2019-10-10</a:t>
             </a:fld>
             <a:endParaRPr lang="ko-KR" altLang="en-US"/>
           </a:p>
@@ -600,7 +1148,7 @@
           <a:p>
             <a:fld id="{493C7343-E182-4B90-880C-3D28E6B66466}" type="datetimeFigureOut">
               <a:rPr lang="ko-KR" altLang="en-US" smtClean="0"/>
-              <a:t>2019-10-07</a:t>
+              <a:t>2019-10-10</a:t>
             </a:fld>
             <a:endParaRPr lang="ko-KR" altLang="en-US"/>
           </a:p>
@@ -770,7 +1318,7 @@
           <a:p>
             <a:fld id="{493C7343-E182-4B90-880C-3D28E6B66466}" type="datetimeFigureOut">
               <a:rPr lang="ko-KR" altLang="en-US" smtClean="0"/>
-              <a:t>2019-10-07</a:t>
+              <a:t>2019-10-10</a:t>
             </a:fld>
             <a:endParaRPr lang="ko-KR" altLang="en-US"/>
           </a:p>
@@ -1016,7 +1564,7 @@
           <a:p>
             <a:fld id="{493C7343-E182-4B90-880C-3D28E6B66466}" type="datetimeFigureOut">
               <a:rPr lang="ko-KR" altLang="en-US" smtClean="0"/>
-              <a:t>2019-10-07</a:t>
+              <a:t>2019-10-10</a:t>
             </a:fld>
             <a:endParaRPr lang="ko-KR" altLang="en-US"/>
           </a:p>
@@ -1248,7 +1796,7 @@
           <a:p>
             <a:fld id="{493C7343-E182-4B90-880C-3D28E6B66466}" type="datetimeFigureOut">
               <a:rPr lang="ko-KR" altLang="en-US" smtClean="0"/>
-              <a:t>2019-10-07</a:t>
+              <a:t>2019-10-10</a:t>
             </a:fld>
             <a:endParaRPr lang="ko-KR" altLang="en-US"/>
           </a:p>
@@ -1615,7 +2163,7 @@
           <a:p>
             <a:fld id="{493C7343-E182-4B90-880C-3D28E6B66466}" type="datetimeFigureOut">
               <a:rPr lang="ko-KR" altLang="en-US" smtClean="0"/>
-              <a:t>2019-10-07</a:t>
+              <a:t>2019-10-10</a:t>
             </a:fld>
             <a:endParaRPr lang="ko-KR" altLang="en-US"/>
           </a:p>
@@ -1733,7 +2281,7 @@
           <a:p>
             <a:fld id="{493C7343-E182-4B90-880C-3D28E6B66466}" type="datetimeFigureOut">
               <a:rPr lang="ko-KR" altLang="en-US" smtClean="0"/>
-              <a:t>2019-10-07</a:t>
+              <a:t>2019-10-10</a:t>
             </a:fld>
             <a:endParaRPr lang="ko-KR" altLang="en-US"/>
           </a:p>
@@ -1828,7 +2376,7 @@
           <a:p>
             <a:fld id="{493C7343-E182-4B90-880C-3D28E6B66466}" type="datetimeFigureOut">
               <a:rPr lang="ko-KR" altLang="en-US" smtClean="0"/>
-              <a:t>2019-10-07</a:t>
+              <a:t>2019-10-10</a:t>
             </a:fld>
             <a:endParaRPr lang="ko-KR" altLang="en-US"/>
           </a:p>
@@ -2105,7 +2653,7 @@
           <a:p>
             <a:fld id="{493C7343-E182-4B90-880C-3D28E6B66466}" type="datetimeFigureOut">
               <a:rPr lang="ko-KR" altLang="en-US" smtClean="0"/>
-              <a:t>2019-10-07</a:t>
+              <a:t>2019-10-10</a:t>
             </a:fld>
             <a:endParaRPr lang="ko-KR" altLang="en-US"/>
           </a:p>
@@ -2358,7 +2906,7 @@
           <a:p>
             <a:fld id="{493C7343-E182-4B90-880C-3D28E6B66466}" type="datetimeFigureOut">
               <a:rPr lang="ko-KR" altLang="en-US" smtClean="0"/>
-              <a:t>2019-10-07</a:t>
+              <a:t>2019-10-10</a:t>
             </a:fld>
             <a:endParaRPr lang="ko-KR" altLang="en-US"/>
           </a:p>
@@ -2571,7 +3119,7 @@
           <a:p>
             <a:fld id="{493C7343-E182-4B90-880C-3D28E6B66466}" type="datetimeFigureOut">
               <a:rPr lang="ko-KR" altLang="en-US" smtClean="0"/>
-              <a:t>2019-10-07</a:t>
+              <a:t>2019-10-10</a:t>
             </a:fld>
             <a:endParaRPr lang="ko-KR" altLang="en-US"/>
           </a:p>
@@ -3484,11 +4032,7 @@
           <a:p>
             <a:r>
               <a:rPr lang="en-US" altLang="ko-KR" dirty="0" smtClean="0"/>
-              <a:t>vim a.txt //ab</a:t>
-            </a:r>
-            <a:r>
-              <a:rPr lang="en-US" altLang="ko-KR" dirty="0" smtClean="0"/>
-              <a:t> , </a:t>
+              <a:t>vim a.txt //ab , </a:t>
             </a:r>
             <a:r>
               <a:rPr lang="en-US" altLang="ko-KR" dirty="0" err="1" smtClean="0"/>
@@ -3506,7 +4050,6 @@
               <a:rPr lang="en-US" altLang="ko-KR" dirty="0" smtClean="0"/>
               <a:t> commit –m “ab”</a:t>
             </a:r>
-            <a:endParaRPr lang="en-US" altLang="ko-KR" dirty="0" smtClean="0"/>
           </a:p>
           <a:p>
             <a:endParaRPr lang="en-US" altLang="ko-KR" dirty="0"/>
@@ -3608,7 +4151,7 @@
           </p:nvPr>
         </p:nvPicPr>
         <p:blipFill>
-          <a:blip r:embed="rId2"/>
+          <a:blip r:embed="rId3"/>
           <a:stretch>
             <a:fillRect/>
           </a:stretch>
@@ -3632,7 +4175,7 @@
           <p:nvPr/>
         </p:nvPicPr>
         <p:blipFill>
-          <a:blip r:embed="rId3"/>
+          <a:blip r:embed="rId4"/>
           <a:stretch>
             <a:fillRect/>
           </a:stretch>
@@ -4047,7 +4590,7 @@
           <p:nvPr/>
         </p:nvPicPr>
         <p:blipFill>
-          <a:blip r:embed="rId2"/>
+          <a:blip r:embed="rId3"/>
           <a:stretch>
             <a:fillRect/>
           </a:stretch>
@@ -4071,7 +4614,7 @@
           <p:nvPr/>
         </p:nvPicPr>
         <p:blipFill>
-          <a:blip r:embed="rId3"/>
+          <a:blip r:embed="rId4"/>
           <a:stretch>
             <a:fillRect/>
           </a:stretch>
@@ -4721,7 +5264,7 @@
     </a:clrScheme>
     <a:fontScheme name="Office">
       <a:majorFont>
-        <a:latin typeface="맑은 고딕" panose="020F0302020204030204"/>
+        <a:latin typeface="맑은 고딕"/>
         <a:ea typeface=""/>
         <a:cs typeface=""/>
         <a:font script="Jpan" typeface="游ゴシック Light"/>
@@ -4756,7 +5299,7 @@
         <a:font script="Geor" typeface="Sylfaen"/>
       </a:majorFont>
       <a:minorFont>
-        <a:latin typeface="맑은 고딕" panose="020F0502020204030204"/>
+        <a:latin typeface="맑은 고딕"/>
         <a:ea typeface=""/>
         <a:cs typeface=""/>
         <a:font script="Jpan" typeface="游ゴシック"/>
@@ -4933,8 +5476,293 @@
   <a:extraClrSchemeLst/>
   <a:extLst>
     <a:ext uri="{05A4C25C-085E-4340-85A3-A5531E510DB2}">
-      <thm15:themeFamily xmlns:thm15="http://schemas.microsoft.com/office/thememl/2012/main" name="Office Theme" id="{62F939B6-93AF-4DB8-9C6B-D6C7DFDC589F}" vid="{4A3C46E8-61CC-4603-A589-7422A47A8E4A}"/>
+      <thm15:themeFamily xmlns="" xmlns:thm15="http://schemas.microsoft.com/office/thememl/2012/main" name="Office Theme" id="{62F939B6-93AF-4DB8-9C6B-D6C7DFDC589F}" vid="{4A3C46E8-61CC-4603-A589-7422A47A8E4A}"/>
     </a:ext>
   </a:extLst>
 </a:theme>
+</file>
+
+<file path=ppt/theme/theme2.xml><?xml version="1.0" encoding="utf-8"?>
+<a:theme xmlns:a="http://schemas.openxmlformats.org/drawingml/2006/main" name="Office 테마">
+  <a:themeElements>
+    <a:clrScheme name="Office">
+      <a:dk1>
+        <a:sysClr val="windowText" lastClr="000000"/>
+      </a:dk1>
+      <a:lt1>
+        <a:sysClr val="window" lastClr="FFFFFF"/>
+      </a:lt1>
+      <a:dk2>
+        <a:srgbClr val="1F497D"/>
+      </a:dk2>
+      <a:lt2>
+        <a:srgbClr val="EEECE1"/>
+      </a:lt2>
+      <a:accent1>
+        <a:srgbClr val="4F81BD"/>
+      </a:accent1>
+      <a:accent2>
+        <a:srgbClr val="C0504D"/>
+      </a:accent2>
+      <a:accent3>
+        <a:srgbClr val="9BBB59"/>
+      </a:accent3>
+      <a:accent4>
+        <a:srgbClr val="8064A2"/>
+      </a:accent4>
+      <a:accent5>
+        <a:srgbClr val="4BACC6"/>
+      </a:accent5>
+      <a:accent6>
+        <a:srgbClr val="F79646"/>
+      </a:accent6>
+      <a:hlink>
+        <a:srgbClr val="0000FF"/>
+      </a:hlink>
+      <a:folHlink>
+        <a:srgbClr val="800080"/>
+      </a:folHlink>
+    </a:clrScheme>
+    <a:fontScheme name="Office">
+      <a:majorFont>
+        <a:latin typeface="맑은 고딕"/>
+        <a:ea typeface=""/>
+        <a:cs typeface=""/>
+        <a:font script="Jpan" typeface="ＭＳ Ｐゴシック"/>
+        <a:font script="Hang" typeface="맑은 고딕"/>
+        <a:font script="Hans" typeface="宋体"/>
+        <a:font script="Hant" typeface="新細明體"/>
+        <a:font script="Arab" typeface="Times New Roman"/>
+        <a:font script="Hebr" typeface="Times New Roman"/>
+        <a:font script="Thai" typeface="Angsana New"/>
+        <a:font script="Ethi" typeface="Nyala"/>
+        <a:font script="Beng" typeface="Vrinda"/>
+        <a:font script="Gujr" typeface="Shruti"/>
+        <a:font script="Khmr" typeface="MoolBoran"/>
+        <a:font script="Knda" typeface="Tunga"/>
+        <a:font script="Guru" typeface="Raavi"/>
+        <a:font script="Cans" typeface="Euphemia"/>
+        <a:font script="Cher" typeface="Plantagenet Cherokee"/>
+        <a:font script="Yiii" typeface="Microsoft Yi Baiti"/>
+        <a:font script="Tibt" typeface="Microsoft Himalaya"/>
+        <a:font script="Thaa" typeface="MV Boli"/>
+        <a:font script="Deva" typeface="Mangal"/>
+        <a:font script="Telu" typeface="Gautami"/>
+        <a:font script="Taml" typeface="Latha"/>
+        <a:font script="Syrc" typeface="Estrangelo Edessa"/>
+        <a:font script="Orya" typeface="Kalinga"/>
+        <a:font script="Mlym" typeface="Kartika"/>
+        <a:font script="Laoo" typeface="DokChampa"/>
+        <a:font script="Sinh" typeface="Iskoola Pota"/>
+        <a:font script="Mong" typeface="Mongolian Baiti"/>
+        <a:font script="Viet" typeface="Times New Roman"/>
+        <a:font script="Uigh" typeface="Microsoft Uighur"/>
+        <a:font script="Geor" typeface="Sylfaen"/>
+      </a:majorFont>
+      <a:minorFont>
+        <a:latin typeface="맑은 고딕"/>
+        <a:ea typeface=""/>
+        <a:cs typeface=""/>
+        <a:font script="Jpan" typeface="ＭＳ Ｐゴシック"/>
+        <a:font script="Hang" typeface="맑은 고딕"/>
+        <a:font script="Hans" typeface="宋体"/>
+        <a:font script="Hant" typeface="新細明體"/>
+        <a:font script="Arab" typeface="Arial"/>
+        <a:font script="Hebr" typeface="Arial"/>
+        <a:font script="Thai" typeface="Cordia New"/>
+        <a:font script="Ethi" typeface="Nyala"/>
+        <a:font script="Beng" typeface="Vrinda"/>
+        <a:font script="Gujr" typeface="Shruti"/>
+        <a:font script="Khmr" typeface="DaunPenh"/>
+        <a:font script="Knda" typeface="Tunga"/>
+        <a:font script="Guru" typeface="Raavi"/>
+        <a:font script="Cans" typeface="Euphemia"/>
+        <a:font script="Cher" typeface="Plantagenet Cherokee"/>
+        <a:font script="Yiii" typeface="Microsoft Yi Baiti"/>
+        <a:font script="Tibt" typeface="Microsoft Himalaya"/>
+        <a:font script="Thaa" typeface="MV Boli"/>
+        <a:font script="Deva" typeface="Mangal"/>
+        <a:font script="Telu" typeface="Gautami"/>
+        <a:font script="Taml" typeface="Latha"/>
+        <a:font script="Syrc" typeface="Estrangelo Edessa"/>
+        <a:font script="Orya" typeface="Kalinga"/>
+        <a:font script="Mlym" typeface="Kartika"/>
+        <a:font script="Laoo" typeface="DokChampa"/>
+        <a:font script="Sinh" typeface="Iskoola Pota"/>
+        <a:font script="Mong" typeface="Mongolian Baiti"/>
+        <a:font script="Viet" typeface="Arial"/>
+        <a:font script="Uigh" typeface="Microsoft Uighur"/>
+        <a:font script="Geor" typeface="Sylfaen"/>
+      </a:minorFont>
+    </a:fontScheme>
+    <a:fmtScheme name="Office">
+      <a:fillStyleLst>
+        <a:solidFill>
+          <a:schemeClr val="phClr"/>
+        </a:solidFill>
+        <a:gradFill rotWithShape="1">
+          <a:gsLst>
+            <a:gs pos="0">
+              <a:schemeClr val="phClr">
+                <a:tint val="50000"/>
+                <a:satMod val="300000"/>
+              </a:schemeClr>
+            </a:gs>
+            <a:gs pos="35000">
+              <a:schemeClr val="phClr">
+                <a:tint val="37000"/>
+                <a:satMod val="300000"/>
+              </a:schemeClr>
+            </a:gs>
+            <a:gs pos="100000">
+              <a:schemeClr val="phClr">
+                <a:tint val="15000"/>
+                <a:satMod val="350000"/>
+              </a:schemeClr>
+            </a:gs>
+          </a:gsLst>
+          <a:lin ang="16200000" scaled="1"/>
+        </a:gradFill>
+        <a:gradFill rotWithShape="1">
+          <a:gsLst>
+            <a:gs pos="0">
+              <a:schemeClr val="phClr">
+                <a:shade val="51000"/>
+                <a:satMod val="130000"/>
+              </a:schemeClr>
+            </a:gs>
+            <a:gs pos="80000">
+              <a:schemeClr val="phClr">
+                <a:shade val="93000"/>
+                <a:satMod val="130000"/>
+              </a:schemeClr>
+            </a:gs>
+            <a:gs pos="100000">
+              <a:schemeClr val="phClr">
+                <a:shade val="94000"/>
+                <a:satMod val="135000"/>
+              </a:schemeClr>
+            </a:gs>
+          </a:gsLst>
+          <a:lin ang="16200000" scaled="0"/>
+        </a:gradFill>
+      </a:fillStyleLst>
+      <a:lnStyleLst>
+        <a:ln w="9525" cap="flat" cmpd="sng" algn="ctr">
+          <a:solidFill>
+            <a:schemeClr val="phClr">
+              <a:shade val="95000"/>
+              <a:satMod val="105000"/>
+            </a:schemeClr>
+          </a:solidFill>
+          <a:prstDash val="solid"/>
+        </a:ln>
+        <a:ln w="25400" cap="flat" cmpd="sng" algn="ctr">
+          <a:solidFill>
+            <a:schemeClr val="phClr"/>
+          </a:solidFill>
+          <a:prstDash val="solid"/>
+        </a:ln>
+        <a:ln w="38100" cap="flat" cmpd="sng" algn="ctr">
+          <a:solidFill>
+            <a:schemeClr val="phClr"/>
+          </a:solidFill>
+          <a:prstDash val="solid"/>
+        </a:ln>
+      </a:lnStyleLst>
+      <a:effectStyleLst>
+        <a:effectStyle>
+          <a:effectLst>
+            <a:outerShdw blurRad="40000" dist="20000" dir="5400000" rotWithShape="0">
+              <a:srgbClr val="000000">
+                <a:alpha val="38000"/>
+              </a:srgbClr>
+            </a:outerShdw>
+          </a:effectLst>
+        </a:effectStyle>
+        <a:effectStyle>
+          <a:effectLst>
+            <a:outerShdw blurRad="40000" dist="23000" dir="5400000" rotWithShape="0">
+              <a:srgbClr val="000000">
+                <a:alpha val="35000"/>
+              </a:srgbClr>
+            </a:outerShdw>
+          </a:effectLst>
+        </a:effectStyle>
+        <a:effectStyle>
+          <a:effectLst>
+            <a:outerShdw blurRad="40000" dist="23000" dir="5400000" rotWithShape="0">
+              <a:srgbClr val="000000">
+                <a:alpha val="35000"/>
+              </a:srgbClr>
+            </a:outerShdw>
+          </a:effectLst>
+          <a:scene3d>
+            <a:camera prst="orthographicFront">
+              <a:rot lat="0" lon="0" rev="0"/>
+            </a:camera>
+            <a:lightRig rig="threePt" dir="t">
+              <a:rot lat="0" lon="0" rev="1200000"/>
+            </a:lightRig>
+          </a:scene3d>
+          <a:sp3d>
+            <a:bevelT w="63500" h="25400"/>
+          </a:sp3d>
+        </a:effectStyle>
+      </a:effectStyleLst>
+      <a:bgFillStyleLst>
+        <a:solidFill>
+          <a:schemeClr val="phClr"/>
+        </a:solidFill>
+        <a:gradFill rotWithShape="1">
+          <a:gsLst>
+            <a:gs pos="0">
+              <a:schemeClr val="phClr">
+                <a:tint val="40000"/>
+                <a:satMod val="350000"/>
+              </a:schemeClr>
+            </a:gs>
+            <a:gs pos="40000">
+              <a:schemeClr val="phClr">
+                <a:tint val="45000"/>
+                <a:shade val="99000"/>
+                <a:satMod val="350000"/>
+              </a:schemeClr>
+            </a:gs>
+            <a:gs pos="100000">
+              <a:schemeClr val="phClr">
+                <a:shade val="20000"/>
+                <a:satMod val="255000"/>
+              </a:schemeClr>
+            </a:gs>
+          </a:gsLst>
+          <a:path path="circle">
+            <a:fillToRect l="50000" t="-80000" r="50000" b="180000"/>
+          </a:path>
+        </a:gradFill>
+        <a:gradFill rotWithShape="1">
+          <a:gsLst>
+            <a:gs pos="0">
+              <a:schemeClr val="phClr">
+                <a:tint val="80000"/>
+                <a:satMod val="300000"/>
+              </a:schemeClr>
+            </a:gs>
+            <a:gs pos="100000">
+              <a:schemeClr val="phClr">
+                <a:shade val="30000"/>
+                <a:satMod val="200000"/>
+              </a:schemeClr>
+            </a:gs>
+          </a:gsLst>
+          <a:path path="circle">
+            <a:fillToRect l="50000" t="50000" r="50000" b="50000"/>
+          </a:path>
+        </a:gradFill>
+      </a:bgFillStyleLst>
+    </a:fmtScheme>
+  </a:themeElements>
+  <a:objectDefaults/>
+  <a:extraClrSchemeLst/>
+</a:theme>
 </file>
--- a/게임소프트웨어공학/Git0.pptx
+++ b/게임소프트웨어공학/Git0.pptx
@@ -4,9 +4,6 @@
   <p:sldMasterIdLst>
     <p:sldMasterId id="2147483648" r:id="rId1"/>
   </p:sldMasterIdLst>
-  <p:notesMasterIdLst>
-    <p:notesMasterId r:id="rId15"/>
-  </p:notesMasterIdLst>
   <p:sldIdLst>
     <p:sldId id="256" r:id="rId2"/>
     <p:sldId id="257" r:id="rId3"/>
@@ -122,551 +119,6 @@
 </p:presentation>
 </file>
 
-<file path=ppt/notesMasters/notesMaster1.xml><?xml version="1.0" encoding="utf-8"?>
-<p:notesMaster xmlns:a="http://schemas.openxmlformats.org/drawingml/2006/main" xmlns:r="http://schemas.openxmlformats.org/officeDocument/2006/relationships" xmlns:p="http://schemas.openxmlformats.org/presentationml/2006/main">
-  <p:cSld>
-    <p:bg>
-      <p:bgRef idx="1001">
-        <a:schemeClr val="bg1"/>
-      </p:bgRef>
-    </p:bg>
-    <p:spTree>
-      <p:nvGrpSpPr>
-        <p:cNvPr id="1" name=""/>
-        <p:cNvGrpSpPr/>
-        <p:nvPr/>
-      </p:nvGrpSpPr>
-      <p:grpSpPr>
-        <a:xfrm>
-          <a:off x="0" y="0"/>
-          <a:ext cx="0" cy="0"/>
-          <a:chOff x="0" y="0"/>
-          <a:chExt cx="0" cy="0"/>
-        </a:xfrm>
-      </p:grpSpPr>
-      <p:sp>
-        <p:nvSpPr>
-          <p:cNvPr id="2" name="머리글 개체 틀 1"/>
-          <p:cNvSpPr>
-            <a:spLocks noGrp="1"/>
-          </p:cNvSpPr>
-          <p:nvPr>
-            <p:ph type="hdr" sz="quarter"/>
-          </p:nvPr>
-        </p:nvSpPr>
-        <p:spPr>
-          <a:xfrm>
-            <a:off x="0" y="0"/>
-            <a:ext cx="2971800" cy="457200"/>
-          </a:xfrm>
-          <a:prstGeom prst="rect">
-            <a:avLst/>
-          </a:prstGeom>
-        </p:spPr>
-        <p:txBody>
-          <a:bodyPr vert="horz" lIns="91440" tIns="45720" rIns="91440" bIns="45720" rtlCol="0"/>
-          <a:lstStyle>
-            <a:lvl1pPr algn="l">
-              <a:defRPr sz="1200"/>
-            </a:lvl1pPr>
-          </a:lstStyle>
-          <a:p>
-            <a:endParaRPr lang="ko-KR" altLang="en-US"/>
-          </a:p>
-        </p:txBody>
-      </p:sp>
-      <p:sp>
-        <p:nvSpPr>
-          <p:cNvPr id="3" name="날짜 개체 틀 2"/>
-          <p:cNvSpPr>
-            <a:spLocks noGrp="1"/>
-          </p:cNvSpPr>
-          <p:nvPr>
-            <p:ph type="dt" idx="1"/>
-          </p:nvPr>
-        </p:nvSpPr>
-        <p:spPr>
-          <a:xfrm>
-            <a:off x="3884613" y="0"/>
-            <a:ext cx="2971800" cy="457200"/>
-          </a:xfrm>
-          <a:prstGeom prst="rect">
-            <a:avLst/>
-          </a:prstGeom>
-        </p:spPr>
-        <p:txBody>
-          <a:bodyPr vert="horz" lIns="91440" tIns="45720" rIns="91440" bIns="45720" rtlCol="0"/>
-          <a:lstStyle>
-            <a:lvl1pPr algn="r">
-              <a:defRPr sz="1200"/>
-            </a:lvl1pPr>
-          </a:lstStyle>
-          <a:p>
-            <a:fld id="{90A5908E-8E6F-4AE2-9504-1475B8A3488D}" type="datetimeFigureOut">
-              <a:rPr lang="ko-KR" altLang="en-US" smtClean="0"/>
-              <a:t>2019-10-10</a:t>
-            </a:fld>
-            <a:endParaRPr lang="ko-KR" altLang="en-US"/>
-          </a:p>
-        </p:txBody>
-      </p:sp>
-      <p:sp>
-        <p:nvSpPr>
-          <p:cNvPr id="4" name="슬라이드 이미지 개체 틀 3"/>
-          <p:cNvSpPr>
-            <a:spLocks noGrp="1" noRot="1" noChangeAspect="1"/>
-          </p:cNvSpPr>
-          <p:nvPr>
-            <p:ph type="sldImg" idx="2"/>
-          </p:nvPr>
-        </p:nvSpPr>
-        <p:spPr>
-          <a:xfrm>
-            <a:off x="381000" y="685800"/>
-            <a:ext cx="6096000" cy="3429000"/>
-          </a:xfrm>
-          <a:prstGeom prst="rect">
-            <a:avLst/>
-          </a:prstGeom>
-          <a:noFill/>
-          <a:ln w="12700">
-            <a:solidFill>
-              <a:prstClr val="black"/>
-            </a:solidFill>
-          </a:ln>
-        </p:spPr>
-        <p:txBody>
-          <a:bodyPr vert="horz" lIns="91440" tIns="45720" rIns="91440" bIns="45720" rtlCol="0" anchor="ctr"/>
-          <a:lstStyle/>
-          <a:p>
-            <a:endParaRPr lang="ko-KR" altLang="en-US"/>
-          </a:p>
-        </p:txBody>
-      </p:sp>
-      <p:sp>
-        <p:nvSpPr>
-          <p:cNvPr id="5" name="슬라이드 노트 개체 틀 4"/>
-          <p:cNvSpPr>
-            <a:spLocks noGrp="1"/>
-          </p:cNvSpPr>
-          <p:nvPr>
-            <p:ph type="body" sz="quarter" idx="3"/>
-          </p:nvPr>
-        </p:nvSpPr>
-        <p:spPr>
-          <a:xfrm>
-            <a:off x="685800" y="4343400"/>
-            <a:ext cx="5486400" cy="4114800"/>
-          </a:xfrm>
-          <a:prstGeom prst="rect">
-            <a:avLst/>
-          </a:prstGeom>
-        </p:spPr>
-        <p:txBody>
-          <a:bodyPr vert="horz" lIns="91440" tIns="45720" rIns="91440" bIns="45720" rtlCol="0"/>
-          <a:lstStyle/>
-          <a:p>
-            <a:pPr lvl="0"/>
-            <a:r>
-              <a:rPr lang="ko-KR" altLang="en-US" smtClean="0"/>
-              <a:t>마스터 텍스트 스타일을 편집합니다</a:t>
-            </a:r>
-          </a:p>
-          <a:p>
-            <a:pPr lvl="1"/>
-            <a:r>
-              <a:rPr lang="ko-KR" altLang="en-US" smtClean="0"/>
-              <a:t>둘째 수준</a:t>
-            </a:r>
-          </a:p>
-          <a:p>
-            <a:pPr lvl="2"/>
-            <a:r>
-              <a:rPr lang="ko-KR" altLang="en-US" smtClean="0"/>
-              <a:t>셋째 수준</a:t>
-            </a:r>
-          </a:p>
-          <a:p>
-            <a:pPr lvl="3"/>
-            <a:r>
-              <a:rPr lang="ko-KR" altLang="en-US" smtClean="0"/>
-              <a:t>넷째 수준</a:t>
-            </a:r>
-          </a:p>
-          <a:p>
-            <a:pPr lvl="4"/>
-            <a:r>
-              <a:rPr lang="ko-KR" altLang="en-US" smtClean="0"/>
-              <a:t>다섯째 수준</a:t>
-            </a:r>
-            <a:endParaRPr lang="ko-KR" altLang="en-US"/>
-          </a:p>
-        </p:txBody>
-      </p:sp>
-      <p:sp>
-        <p:nvSpPr>
-          <p:cNvPr id="6" name="바닥글 개체 틀 5"/>
-          <p:cNvSpPr>
-            <a:spLocks noGrp="1"/>
-          </p:cNvSpPr>
-          <p:nvPr>
-            <p:ph type="ftr" sz="quarter" idx="4"/>
-          </p:nvPr>
-        </p:nvSpPr>
-        <p:spPr>
-          <a:xfrm>
-            <a:off x="0" y="8685213"/>
-            <a:ext cx="2971800" cy="457200"/>
-          </a:xfrm>
-          <a:prstGeom prst="rect">
-            <a:avLst/>
-          </a:prstGeom>
-        </p:spPr>
-        <p:txBody>
-          <a:bodyPr vert="horz" lIns="91440" tIns="45720" rIns="91440" bIns="45720" rtlCol="0" anchor="b"/>
-          <a:lstStyle>
-            <a:lvl1pPr algn="l">
-              <a:defRPr sz="1200"/>
-            </a:lvl1pPr>
-          </a:lstStyle>
-          <a:p>
-            <a:endParaRPr lang="ko-KR" altLang="en-US"/>
-          </a:p>
-        </p:txBody>
-      </p:sp>
-      <p:sp>
-        <p:nvSpPr>
-          <p:cNvPr id="7" name="슬라이드 번호 개체 틀 6"/>
-          <p:cNvSpPr>
-            <a:spLocks noGrp="1"/>
-          </p:cNvSpPr>
-          <p:nvPr>
-            <p:ph type="sldNum" sz="quarter" idx="5"/>
-          </p:nvPr>
-        </p:nvSpPr>
-        <p:spPr>
-          <a:xfrm>
-            <a:off x="3884613" y="8685213"/>
-            <a:ext cx="2971800" cy="457200"/>
-          </a:xfrm>
-          <a:prstGeom prst="rect">
-            <a:avLst/>
-          </a:prstGeom>
-        </p:spPr>
-        <p:txBody>
-          <a:bodyPr vert="horz" lIns="91440" tIns="45720" rIns="91440" bIns="45720" rtlCol="0" anchor="b"/>
-          <a:lstStyle>
-            <a:lvl1pPr algn="r">
-              <a:defRPr sz="1200"/>
-            </a:lvl1pPr>
-          </a:lstStyle>
-          <a:p>
-            <a:fld id="{370F91B3-F17C-4B13-B0C9-D97E0CA16F0E}" type="slidenum">
-              <a:rPr lang="ko-KR" altLang="en-US" smtClean="0"/>
-              <a:t>‹#›</a:t>
-            </a:fld>
-            <a:endParaRPr lang="ko-KR" altLang="en-US"/>
-          </a:p>
-        </p:txBody>
-      </p:sp>
-    </p:spTree>
-    <p:extLst>
-      <p:ext uri="{BB962C8B-B14F-4D97-AF65-F5344CB8AC3E}">
-        <p14:creationId xmlns:p14="http://schemas.microsoft.com/office/powerpoint/2010/main" val="2367881924"/>
-      </p:ext>
-    </p:extLst>
-  </p:cSld>
-  <p:clrMap bg1="lt1" tx1="dk1" bg2="lt2" tx2="dk2" accent1="accent1" accent2="accent2" accent3="accent3" accent4="accent4" accent5="accent5" accent6="accent6" hlink="hlink" folHlink="folHlink"/>
-  <p:notesStyle>
-    <a:lvl1pPr marL="0" algn="l" defTabSz="914400" rtl="0" eaLnBrk="1" latinLnBrk="1" hangingPunct="1">
-      <a:defRPr sz="1200" kern="1200">
-        <a:solidFill>
-          <a:schemeClr val="tx1"/>
-        </a:solidFill>
-        <a:latin typeface="+mn-lt"/>
-        <a:ea typeface="+mn-ea"/>
-        <a:cs typeface="+mn-cs"/>
-      </a:defRPr>
-    </a:lvl1pPr>
-    <a:lvl2pPr marL="457200" algn="l" defTabSz="914400" rtl="0" eaLnBrk="1" latinLnBrk="1" hangingPunct="1">
-      <a:defRPr sz="1200" kern="1200">
-        <a:solidFill>
-          <a:schemeClr val="tx1"/>
-        </a:solidFill>
-        <a:latin typeface="+mn-lt"/>
-        <a:ea typeface="+mn-ea"/>
-        <a:cs typeface="+mn-cs"/>
-      </a:defRPr>
-    </a:lvl2pPr>
-    <a:lvl3pPr marL="914400" algn="l" defTabSz="914400" rtl="0" eaLnBrk="1" latinLnBrk="1" hangingPunct="1">
-      <a:defRPr sz="1200" kern="1200">
-        <a:solidFill>
-          <a:schemeClr val="tx1"/>
-        </a:solidFill>
-        <a:latin typeface="+mn-lt"/>
-        <a:ea typeface="+mn-ea"/>
-        <a:cs typeface="+mn-cs"/>
-      </a:defRPr>
-    </a:lvl3pPr>
-    <a:lvl4pPr marL="1371600" algn="l" defTabSz="914400" rtl="0" eaLnBrk="1" latinLnBrk="1" hangingPunct="1">
-      <a:defRPr sz="1200" kern="1200">
-        <a:solidFill>
-          <a:schemeClr val="tx1"/>
-        </a:solidFill>
-        <a:latin typeface="+mn-lt"/>
-        <a:ea typeface="+mn-ea"/>
-        <a:cs typeface="+mn-cs"/>
-      </a:defRPr>
-    </a:lvl4pPr>
-    <a:lvl5pPr marL="1828800" algn="l" defTabSz="914400" rtl="0" eaLnBrk="1" latinLnBrk="1" hangingPunct="1">
-      <a:defRPr sz="1200" kern="1200">
-        <a:solidFill>
-          <a:schemeClr val="tx1"/>
-        </a:solidFill>
-        <a:latin typeface="+mn-lt"/>
-        <a:ea typeface="+mn-ea"/>
-        <a:cs typeface="+mn-cs"/>
-      </a:defRPr>
-    </a:lvl5pPr>
-    <a:lvl6pPr marL="2286000" algn="l" defTabSz="914400" rtl="0" eaLnBrk="1" latinLnBrk="1" hangingPunct="1">
-      <a:defRPr sz="1200" kern="1200">
-        <a:solidFill>
-          <a:schemeClr val="tx1"/>
-        </a:solidFill>
-        <a:latin typeface="+mn-lt"/>
-        <a:ea typeface="+mn-ea"/>
-        <a:cs typeface="+mn-cs"/>
-      </a:defRPr>
-    </a:lvl6pPr>
-    <a:lvl7pPr marL="2743200" algn="l" defTabSz="914400" rtl="0" eaLnBrk="1" latinLnBrk="1" hangingPunct="1">
-      <a:defRPr sz="1200" kern="1200">
-        <a:solidFill>
-          <a:schemeClr val="tx1"/>
-        </a:solidFill>
-        <a:latin typeface="+mn-lt"/>
-        <a:ea typeface="+mn-ea"/>
-        <a:cs typeface="+mn-cs"/>
-      </a:defRPr>
-    </a:lvl7pPr>
-    <a:lvl8pPr marL="3200400" algn="l" defTabSz="914400" rtl="0" eaLnBrk="1" latinLnBrk="1" hangingPunct="1">
-      <a:defRPr sz="1200" kern="1200">
-        <a:solidFill>
-          <a:schemeClr val="tx1"/>
-        </a:solidFill>
-        <a:latin typeface="+mn-lt"/>
-        <a:ea typeface="+mn-ea"/>
-        <a:cs typeface="+mn-cs"/>
-      </a:defRPr>
-    </a:lvl8pPr>
-    <a:lvl9pPr marL="3657600" algn="l" defTabSz="914400" rtl="0" eaLnBrk="1" latinLnBrk="1" hangingPunct="1">
-      <a:defRPr sz="1200" kern="1200">
-        <a:solidFill>
-          <a:schemeClr val="tx1"/>
-        </a:solidFill>
-        <a:latin typeface="+mn-lt"/>
-        <a:ea typeface="+mn-ea"/>
-        <a:cs typeface="+mn-cs"/>
-      </a:defRPr>
-    </a:lvl9pPr>
-  </p:notesStyle>
-</p:notesMaster>
-</file>
-
-<file path=ppt/notesSlides/notesSlide1.xml><?xml version="1.0" encoding="utf-8"?>
-<p:notes xmlns:a="http://schemas.openxmlformats.org/drawingml/2006/main" xmlns:r="http://schemas.openxmlformats.org/officeDocument/2006/relationships" xmlns:p="http://schemas.openxmlformats.org/presentationml/2006/main">
-  <p:cSld>
-    <p:spTree>
-      <p:nvGrpSpPr>
-        <p:cNvPr id="1" name=""/>
-        <p:cNvGrpSpPr/>
-        <p:nvPr/>
-      </p:nvGrpSpPr>
-      <p:grpSpPr>
-        <a:xfrm>
-          <a:off x="0" y="0"/>
-          <a:ext cx="0" cy="0"/>
-          <a:chOff x="0" y="0"/>
-          <a:chExt cx="0" cy="0"/>
-        </a:xfrm>
-      </p:grpSpPr>
-      <p:sp>
-        <p:nvSpPr>
-          <p:cNvPr id="2" name="슬라이드 이미지 개체 틀 1"/>
-          <p:cNvSpPr>
-            <a:spLocks noGrp="1" noRot="1" noChangeAspect="1"/>
-          </p:cNvSpPr>
-          <p:nvPr>
-            <p:ph type="sldImg"/>
-          </p:nvPr>
-        </p:nvSpPr>
-        <p:spPr/>
-      </p:sp>
-      <p:sp>
-        <p:nvSpPr>
-          <p:cNvPr id="3" name="슬라이드 노트 개체 틀 2"/>
-          <p:cNvSpPr>
-            <a:spLocks noGrp="1"/>
-          </p:cNvSpPr>
-          <p:nvPr>
-            <p:ph type="body" idx="1"/>
-          </p:nvPr>
-        </p:nvSpPr>
-        <p:spPr/>
-        <p:txBody>
-          <a:bodyPr/>
-          <a:lstStyle/>
-          <a:p>
-            <a:r>
-              <a:rPr lang="en-US" altLang="ko-KR" dirty="0" smtClean="0"/>
-              <a:t>CVCS</a:t>
-            </a:r>
-            <a:r>
-              <a:rPr lang="en-US" altLang="ko-KR" baseline="0" dirty="0" smtClean="0"/>
-              <a:t> : </a:t>
-            </a:r>
-            <a:r>
-              <a:rPr lang="ko-KR" altLang="en-US" baseline="0" dirty="0" smtClean="0"/>
-              <a:t>파일 자체를 보관</a:t>
-            </a:r>
-            <a:endParaRPr lang="en-US" altLang="ko-KR" baseline="0" dirty="0" smtClean="0"/>
-          </a:p>
-          <a:p>
-            <a:r>
-              <a:rPr lang="en-US" altLang="ko-KR" baseline="0" dirty="0" smtClean="0"/>
-              <a:t>VCS : </a:t>
-            </a:r>
-            <a:r>
-              <a:rPr lang="ko-KR" altLang="en-US" baseline="0" dirty="0" smtClean="0"/>
-              <a:t>파일 링크를 보관</a:t>
-            </a:r>
-            <a:endParaRPr lang="ko-KR" altLang="en-US" dirty="0"/>
-          </a:p>
-        </p:txBody>
-      </p:sp>
-      <p:sp>
-        <p:nvSpPr>
-          <p:cNvPr id="4" name="슬라이드 번호 개체 틀 3"/>
-          <p:cNvSpPr>
-            <a:spLocks noGrp="1"/>
-          </p:cNvSpPr>
-          <p:nvPr>
-            <p:ph type="sldNum" sz="quarter" idx="10"/>
-          </p:nvPr>
-        </p:nvSpPr>
-        <p:spPr/>
-        <p:txBody>
-          <a:bodyPr/>
-          <a:lstStyle/>
-          <a:p>
-            <a:fld id="{370F91B3-F17C-4B13-B0C9-D97E0CA16F0E}" type="slidenum">
-              <a:rPr lang="ko-KR" altLang="en-US" smtClean="0"/>
-              <a:t>5</a:t>
-            </a:fld>
-            <a:endParaRPr lang="ko-KR" altLang="en-US"/>
-          </a:p>
-        </p:txBody>
-      </p:sp>
-    </p:spTree>
-    <p:extLst>
-      <p:ext uri="{BB962C8B-B14F-4D97-AF65-F5344CB8AC3E}">
-        <p14:creationId xmlns:p14="http://schemas.microsoft.com/office/powerpoint/2010/main" val="68640247"/>
-      </p:ext>
-    </p:extLst>
-  </p:cSld>
-  <p:clrMapOvr>
-    <a:masterClrMapping/>
-  </p:clrMapOvr>
-</p:notes>
-</file>
-
-<file path=ppt/notesSlides/notesSlide2.xml><?xml version="1.0" encoding="utf-8"?>
-<p:notes xmlns:a="http://schemas.openxmlformats.org/drawingml/2006/main" xmlns:r="http://schemas.openxmlformats.org/officeDocument/2006/relationships" xmlns:p="http://schemas.openxmlformats.org/presentationml/2006/main">
-  <p:cSld>
-    <p:spTree>
-      <p:nvGrpSpPr>
-        <p:cNvPr id="1" name=""/>
-        <p:cNvGrpSpPr/>
-        <p:nvPr/>
-      </p:nvGrpSpPr>
-      <p:grpSpPr>
-        <a:xfrm>
-          <a:off x="0" y="0"/>
-          <a:ext cx="0" cy="0"/>
-          <a:chOff x="0" y="0"/>
-          <a:chExt cx="0" cy="0"/>
-        </a:xfrm>
-      </p:grpSpPr>
-      <p:sp>
-        <p:nvSpPr>
-          <p:cNvPr id="2" name="슬라이드 이미지 개체 틀 1"/>
-          <p:cNvSpPr>
-            <a:spLocks noGrp="1" noRot="1" noChangeAspect="1"/>
-          </p:cNvSpPr>
-          <p:nvPr>
-            <p:ph type="sldImg"/>
-          </p:nvPr>
-        </p:nvSpPr>
-        <p:spPr/>
-      </p:sp>
-      <p:sp>
-        <p:nvSpPr>
-          <p:cNvPr id="3" name="슬라이드 노트 개체 틀 2"/>
-          <p:cNvSpPr>
-            <a:spLocks noGrp="1"/>
-          </p:cNvSpPr>
-          <p:nvPr>
-            <p:ph type="body" idx="1"/>
-          </p:nvPr>
-        </p:nvSpPr>
-        <p:spPr/>
-        <p:txBody>
-          <a:bodyPr/>
-          <a:lstStyle/>
-          <a:p>
-            <a:r>
-              <a:rPr lang="ko-KR" altLang="en-US" smtClean="0"/>
-              <a:t>잘 알아두자</a:t>
-            </a:r>
-            <a:endParaRPr lang="ko-KR" altLang="en-US"/>
-          </a:p>
-        </p:txBody>
-      </p:sp>
-      <p:sp>
-        <p:nvSpPr>
-          <p:cNvPr id="4" name="슬라이드 번호 개체 틀 3"/>
-          <p:cNvSpPr>
-            <a:spLocks noGrp="1"/>
-          </p:cNvSpPr>
-          <p:nvPr>
-            <p:ph type="sldNum" sz="quarter" idx="10"/>
-          </p:nvPr>
-        </p:nvSpPr>
-        <p:spPr/>
-        <p:txBody>
-          <a:bodyPr/>
-          <a:lstStyle/>
-          <a:p>
-            <a:fld id="{370F91B3-F17C-4B13-B0C9-D97E0CA16F0E}" type="slidenum">
-              <a:rPr lang="ko-KR" altLang="en-US" smtClean="0"/>
-              <a:t>13</a:t>
-            </a:fld>
-            <a:endParaRPr lang="ko-KR" altLang="en-US"/>
-          </a:p>
-        </p:txBody>
-      </p:sp>
-    </p:spTree>
-    <p:extLst>
-      <p:ext uri="{BB962C8B-B14F-4D97-AF65-F5344CB8AC3E}">
-        <p14:creationId xmlns:p14="http://schemas.microsoft.com/office/powerpoint/2010/main" val="1246186842"/>
-      </p:ext>
-    </p:extLst>
-  </p:cSld>
-  <p:clrMapOvr>
-    <a:masterClrMapping/>
-  </p:clrMapOvr>
-</p:notes>
-</file>
-
 <file path=ppt/slideLayouts/slideLayout1.xml><?xml version="1.0" encoding="utf-8"?>
 <p:sldLayout xmlns:a="http://schemas.openxmlformats.org/drawingml/2006/main" xmlns:r="http://schemas.openxmlformats.org/officeDocument/2006/relationships" xmlns:p="http://schemas.openxmlformats.org/presentationml/2006/main" type="title" preserve="1">
   <p:cSld name="제목 슬라이드">
@@ -798,7 +250,7 @@
           <a:p>
             <a:fld id="{493C7343-E182-4B90-880C-3D28E6B66466}" type="datetimeFigureOut">
               <a:rPr lang="ko-KR" altLang="en-US" smtClean="0"/>
-              <a:t>2019-10-10</a:t>
+              <a:t>2019-10-07</a:t>
             </a:fld>
             <a:endParaRPr lang="ko-KR" altLang="en-US"/>
           </a:p>
@@ -968,7 +420,7 @@
           <a:p>
             <a:fld id="{493C7343-E182-4B90-880C-3D28E6B66466}" type="datetimeFigureOut">
               <a:rPr lang="ko-KR" altLang="en-US" smtClean="0"/>
-              <a:t>2019-10-10</a:t>
+              <a:t>2019-10-07</a:t>
             </a:fld>
             <a:endParaRPr lang="ko-KR" altLang="en-US"/>
           </a:p>
@@ -1148,7 +600,7 @@
           <a:p>
             <a:fld id="{493C7343-E182-4B90-880C-3D28E6B66466}" type="datetimeFigureOut">
               <a:rPr lang="ko-KR" altLang="en-US" smtClean="0"/>
-              <a:t>2019-10-10</a:t>
+              <a:t>2019-10-07</a:t>
             </a:fld>
             <a:endParaRPr lang="ko-KR" altLang="en-US"/>
           </a:p>
@@ -1318,7 +770,7 @@
           <a:p>
             <a:fld id="{493C7343-E182-4B90-880C-3D28E6B66466}" type="datetimeFigureOut">
               <a:rPr lang="ko-KR" altLang="en-US" smtClean="0"/>
-              <a:t>2019-10-10</a:t>
+              <a:t>2019-10-07</a:t>
             </a:fld>
             <a:endParaRPr lang="ko-KR" altLang="en-US"/>
           </a:p>
@@ -1564,7 +1016,7 @@
           <a:p>
             <a:fld id="{493C7343-E182-4B90-880C-3D28E6B66466}" type="datetimeFigureOut">
               <a:rPr lang="ko-KR" altLang="en-US" smtClean="0"/>
-              <a:t>2019-10-10</a:t>
+              <a:t>2019-10-07</a:t>
             </a:fld>
             <a:endParaRPr lang="ko-KR" altLang="en-US"/>
           </a:p>
@@ -1796,7 +1248,7 @@
           <a:p>
             <a:fld id="{493C7343-E182-4B90-880C-3D28E6B66466}" type="datetimeFigureOut">
               <a:rPr lang="ko-KR" altLang="en-US" smtClean="0"/>
-              <a:t>2019-10-10</a:t>
+              <a:t>2019-10-07</a:t>
             </a:fld>
             <a:endParaRPr lang="ko-KR" altLang="en-US"/>
           </a:p>
@@ -2163,7 +1615,7 @@
           <a:p>
             <a:fld id="{493C7343-E182-4B90-880C-3D28E6B66466}" type="datetimeFigureOut">
               <a:rPr lang="ko-KR" altLang="en-US" smtClean="0"/>
-              <a:t>2019-10-10</a:t>
+              <a:t>2019-10-07</a:t>
             </a:fld>
             <a:endParaRPr lang="ko-KR" altLang="en-US"/>
           </a:p>
@@ -2281,7 +1733,7 @@
           <a:p>
             <a:fld id="{493C7343-E182-4B90-880C-3D28E6B66466}" type="datetimeFigureOut">
               <a:rPr lang="ko-KR" altLang="en-US" smtClean="0"/>
-              <a:t>2019-10-10</a:t>
+              <a:t>2019-10-07</a:t>
             </a:fld>
             <a:endParaRPr lang="ko-KR" altLang="en-US"/>
           </a:p>
@@ -2376,7 +1828,7 @@
           <a:p>
             <a:fld id="{493C7343-E182-4B90-880C-3D28E6B66466}" type="datetimeFigureOut">
               <a:rPr lang="ko-KR" altLang="en-US" smtClean="0"/>
-              <a:t>2019-10-10</a:t>
+              <a:t>2019-10-07</a:t>
             </a:fld>
             <a:endParaRPr lang="ko-KR" altLang="en-US"/>
           </a:p>
@@ -2653,7 +2105,7 @@
           <a:p>
             <a:fld id="{493C7343-E182-4B90-880C-3D28E6B66466}" type="datetimeFigureOut">
               <a:rPr lang="ko-KR" altLang="en-US" smtClean="0"/>
-              <a:t>2019-10-10</a:t>
+              <a:t>2019-10-07</a:t>
             </a:fld>
             <a:endParaRPr lang="ko-KR" altLang="en-US"/>
           </a:p>
@@ -2906,7 +2358,7 @@
           <a:p>
             <a:fld id="{493C7343-E182-4B90-880C-3D28E6B66466}" type="datetimeFigureOut">
               <a:rPr lang="ko-KR" altLang="en-US" smtClean="0"/>
-              <a:t>2019-10-10</a:t>
+              <a:t>2019-10-07</a:t>
             </a:fld>
             <a:endParaRPr lang="ko-KR" altLang="en-US"/>
           </a:p>
@@ -3119,7 +2571,7 @@
           <a:p>
             <a:fld id="{493C7343-E182-4B90-880C-3D28E6B66466}" type="datetimeFigureOut">
               <a:rPr lang="ko-KR" altLang="en-US" smtClean="0"/>
-              <a:t>2019-10-10</a:t>
+              <a:t>2019-10-07</a:t>
             </a:fld>
             <a:endParaRPr lang="ko-KR" altLang="en-US"/>
           </a:p>
@@ -4032,7 +3484,11 @@
           <a:p>
             <a:r>
               <a:rPr lang="en-US" altLang="ko-KR" dirty="0" smtClean="0"/>
-              <a:t>vim a.txt //ab , </a:t>
+              <a:t>vim a.txt //ab</a:t>
+            </a:r>
+            <a:r>
+              <a:rPr lang="en-US" altLang="ko-KR" dirty="0" smtClean="0"/>
+              <a:t> , </a:t>
             </a:r>
             <a:r>
               <a:rPr lang="en-US" altLang="ko-KR" dirty="0" err="1" smtClean="0"/>
@@ -4050,6 +3506,7 @@
               <a:rPr lang="en-US" altLang="ko-KR" dirty="0" smtClean="0"/>
               <a:t> commit –m “ab”</a:t>
             </a:r>
+            <a:endParaRPr lang="en-US" altLang="ko-KR" dirty="0" smtClean="0"/>
           </a:p>
           <a:p>
             <a:endParaRPr lang="en-US" altLang="ko-KR" dirty="0"/>
@@ -4151,7 +3608,7 @@
           </p:nvPr>
         </p:nvPicPr>
         <p:blipFill>
-          <a:blip r:embed="rId3"/>
+          <a:blip r:embed="rId2"/>
           <a:stretch>
             <a:fillRect/>
           </a:stretch>
@@ -4175,7 +3632,7 @@
           <p:nvPr/>
         </p:nvPicPr>
         <p:blipFill>
-          <a:blip r:embed="rId4"/>
+          <a:blip r:embed="rId3"/>
           <a:stretch>
             <a:fillRect/>
           </a:stretch>
@@ -4590,7 +4047,7 @@
           <p:nvPr/>
         </p:nvPicPr>
         <p:blipFill>
-          <a:blip r:embed="rId3"/>
+          <a:blip r:embed="rId2"/>
           <a:stretch>
             <a:fillRect/>
           </a:stretch>
@@ -4614,7 +4071,7 @@
           <p:nvPr/>
         </p:nvPicPr>
         <p:blipFill>
-          <a:blip r:embed="rId4"/>
+          <a:blip r:embed="rId3"/>
           <a:stretch>
             <a:fillRect/>
           </a:stretch>
@@ -5264,7 +4721,7 @@
     </a:clrScheme>
     <a:fontScheme name="Office">
       <a:majorFont>
-        <a:latin typeface="맑은 고딕"/>
+        <a:latin typeface="맑은 고딕" panose="020F0302020204030204"/>
         <a:ea typeface=""/>
         <a:cs typeface=""/>
         <a:font script="Jpan" typeface="游ゴシック Light"/>
@@ -5299,7 +4756,7 @@
         <a:font script="Geor" typeface="Sylfaen"/>
       </a:majorFont>
       <a:minorFont>
-        <a:latin typeface="맑은 고딕"/>
+        <a:latin typeface="맑은 고딕" panose="020F0502020204030204"/>
         <a:ea typeface=""/>
         <a:cs typeface=""/>
         <a:font script="Jpan" typeface="游ゴシック"/>
@@ -5476,293 +4933,8 @@
   <a:extraClrSchemeLst/>
   <a:extLst>
     <a:ext uri="{05A4C25C-085E-4340-85A3-A5531E510DB2}">
-      <thm15:themeFamily xmlns="" xmlns:thm15="http://schemas.microsoft.com/office/thememl/2012/main" name="Office Theme" id="{62F939B6-93AF-4DB8-9C6B-D6C7DFDC589F}" vid="{4A3C46E8-61CC-4603-A589-7422A47A8E4A}"/>
+      <thm15:themeFamily xmlns:thm15="http://schemas.microsoft.com/office/thememl/2012/main" name="Office Theme" id="{62F939B6-93AF-4DB8-9C6B-D6C7DFDC589F}" vid="{4A3C46E8-61CC-4603-A589-7422A47A8E4A}"/>
     </a:ext>
   </a:extLst>
 </a:theme>
-</file>
-
-<file path=ppt/theme/theme2.xml><?xml version="1.0" encoding="utf-8"?>
-<a:theme xmlns:a="http://schemas.openxmlformats.org/drawingml/2006/main" name="Office 테마">
-  <a:themeElements>
-    <a:clrScheme name="Office">
-      <a:dk1>
-        <a:sysClr val="windowText" lastClr="000000"/>
-      </a:dk1>
-      <a:lt1>
-        <a:sysClr val="window" lastClr="FFFFFF"/>
-      </a:lt1>
-      <a:dk2>
-        <a:srgbClr val="1F497D"/>
-      </a:dk2>
-      <a:lt2>
-        <a:srgbClr val="EEECE1"/>
-      </a:lt2>
-      <a:accent1>
-        <a:srgbClr val="4F81BD"/>
-      </a:accent1>
-      <a:accent2>
-        <a:srgbClr val="C0504D"/>
-      </a:accent2>
-      <a:accent3>
-        <a:srgbClr val="9BBB59"/>
-      </a:accent3>
-      <a:accent4>
-        <a:srgbClr val="8064A2"/>
-      </a:accent4>
-      <a:accent5>
-        <a:srgbClr val="4BACC6"/>
-      </a:accent5>
-      <a:accent6>
-        <a:srgbClr val="F79646"/>
-      </a:accent6>
-      <a:hlink>
-        <a:srgbClr val="0000FF"/>
-      </a:hlink>
-      <a:folHlink>
-        <a:srgbClr val="800080"/>
-      </a:folHlink>
-    </a:clrScheme>
-    <a:fontScheme name="Office">
-      <a:majorFont>
-        <a:latin typeface="맑은 고딕"/>
-        <a:ea typeface=""/>
-        <a:cs typeface=""/>
-        <a:font script="Jpan" typeface="ＭＳ Ｐゴシック"/>
-        <a:font script="Hang" typeface="맑은 고딕"/>
-        <a:font script="Hans" typeface="宋体"/>
-        <a:font script="Hant" typeface="新細明體"/>
-        <a:font script="Arab" typeface="Times New Roman"/>
-        <a:font script="Hebr" typeface="Times New Roman"/>
-        <a:font script="Thai" typeface="Angsana New"/>
-        <a:font script="Ethi" typeface="Nyala"/>
-        <a:font script="Beng" typeface="Vrinda"/>
-        <a:font script="Gujr" typeface="Shruti"/>
-        <a:font script="Khmr" typeface="MoolBoran"/>
-        <a:font script="Knda" typeface="Tunga"/>
-        <a:font script="Guru" typeface="Raavi"/>
-        <a:font script="Cans" typeface="Euphemia"/>
-        <a:font script="Cher" typeface="Plantagenet Cherokee"/>
-        <a:font script="Yiii" typeface="Microsoft Yi Baiti"/>
-        <a:font script="Tibt" typeface="Microsoft Himalaya"/>
-        <a:font script="Thaa" typeface="MV Boli"/>
-        <a:font script="Deva" typeface="Mangal"/>
-        <a:font script="Telu" typeface="Gautami"/>
-        <a:font script="Taml" typeface="Latha"/>
-        <a:font script="Syrc" typeface="Estrangelo Edessa"/>
-        <a:font script="Orya" typeface="Kalinga"/>
-        <a:font script="Mlym" typeface="Kartika"/>
-        <a:font script="Laoo" typeface="DokChampa"/>
-        <a:font script="Sinh" typeface="Iskoola Pota"/>
-        <a:font script="Mong" typeface="Mongolian Baiti"/>
-        <a:font script="Viet" typeface="Times New Roman"/>
-        <a:font script="Uigh" typeface="Microsoft Uighur"/>
-        <a:font script="Geor" typeface="Sylfaen"/>
-      </a:majorFont>
-      <a:minorFont>
-        <a:latin typeface="맑은 고딕"/>
-        <a:ea typeface=""/>
-        <a:cs typeface=""/>
-        <a:font script="Jpan" typeface="ＭＳ Ｐゴシック"/>
-        <a:font script="Hang" typeface="맑은 고딕"/>
-        <a:font script="Hans" typeface="宋体"/>
-        <a:font script="Hant" typeface="新細明體"/>
-        <a:font script="Arab" typeface="Arial"/>
-        <a:font script="Hebr" typeface="Arial"/>
-        <a:font script="Thai" typeface="Cordia New"/>
-        <a:font script="Ethi" typeface="Nyala"/>
-        <a:font script="Beng" typeface="Vrinda"/>
-        <a:font script="Gujr" typeface="Shruti"/>
-        <a:font script="Khmr" typeface="DaunPenh"/>
-        <a:font script="Knda" typeface="Tunga"/>
-        <a:font script="Guru" typeface="Raavi"/>
-        <a:font script="Cans" typeface="Euphemia"/>
-        <a:font script="Cher" typeface="Plantagenet Cherokee"/>
-        <a:font script="Yiii" typeface="Microsoft Yi Baiti"/>
-        <a:font script="Tibt" typeface="Microsoft Himalaya"/>
-        <a:font script="Thaa" typeface="MV Boli"/>
-        <a:font script="Deva" typeface="Mangal"/>
-        <a:font script="Telu" typeface="Gautami"/>
-        <a:font script="Taml" typeface="Latha"/>
-        <a:font script="Syrc" typeface="Estrangelo Edessa"/>
-        <a:font script="Orya" typeface="Kalinga"/>
-        <a:font script="Mlym" typeface="Kartika"/>
-        <a:font script="Laoo" typeface="DokChampa"/>
-        <a:font script="Sinh" typeface="Iskoola Pota"/>
-        <a:font script="Mong" typeface="Mongolian Baiti"/>
-        <a:font script="Viet" typeface="Arial"/>
-        <a:font script="Uigh" typeface="Microsoft Uighur"/>
-        <a:font script="Geor" typeface="Sylfaen"/>
-      </a:minorFont>
-    </a:fontScheme>
-    <a:fmtScheme name="Office">
-      <a:fillStyleLst>
-        <a:solidFill>
-          <a:schemeClr val="phClr"/>
-        </a:solidFill>
-        <a:gradFill rotWithShape="1">
-          <a:gsLst>
-            <a:gs pos="0">
-              <a:schemeClr val="phClr">
-                <a:tint val="50000"/>
-                <a:satMod val="300000"/>
-              </a:schemeClr>
-            </a:gs>
-            <a:gs pos="35000">
-              <a:schemeClr val="phClr">
-                <a:tint val="37000"/>
-                <a:satMod val="300000"/>
-              </a:schemeClr>
-            </a:gs>
-            <a:gs pos="100000">
-              <a:schemeClr val="phClr">
-                <a:tint val="15000"/>
-                <a:satMod val="350000"/>
-              </a:schemeClr>
-            </a:gs>
-          </a:gsLst>
-          <a:lin ang="16200000" scaled="1"/>
-        </a:gradFill>
-        <a:gradFill rotWithShape="1">
-          <a:gsLst>
-            <a:gs pos="0">
-              <a:schemeClr val="phClr">
-                <a:shade val="51000"/>
-                <a:satMod val="130000"/>
-              </a:schemeClr>
-            </a:gs>
-            <a:gs pos="80000">
-              <a:schemeClr val="phClr">
-                <a:shade val="93000"/>
-                <a:satMod val="130000"/>
-              </a:schemeClr>
-            </a:gs>
-            <a:gs pos="100000">
-              <a:schemeClr val="phClr">
-                <a:shade val="94000"/>
-                <a:satMod val="135000"/>
-              </a:schemeClr>
-            </a:gs>
-          </a:gsLst>
-          <a:lin ang="16200000" scaled="0"/>
-        </a:gradFill>
-      </a:fillStyleLst>
-      <a:lnStyleLst>
-        <a:ln w="9525" cap="flat" cmpd="sng" algn="ctr">
-          <a:solidFill>
-            <a:schemeClr val="phClr">
-              <a:shade val="95000"/>
-              <a:satMod val="105000"/>
-            </a:schemeClr>
-          </a:solidFill>
-          <a:prstDash val="solid"/>
-        </a:ln>
-        <a:ln w="25400" cap="flat" cmpd="sng" algn="ctr">
-          <a:solidFill>
-            <a:schemeClr val="phClr"/>
-          </a:solidFill>
-          <a:prstDash val="solid"/>
-        </a:ln>
-        <a:ln w="38100" cap="flat" cmpd="sng" algn="ctr">
-          <a:solidFill>
-            <a:schemeClr val="phClr"/>
-          </a:solidFill>
-          <a:prstDash val="solid"/>
-        </a:ln>
-      </a:lnStyleLst>
-      <a:effectStyleLst>
-        <a:effectStyle>
-          <a:effectLst>
-            <a:outerShdw blurRad="40000" dist="20000" dir="5400000" rotWithShape="0">
-              <a:srgbClr val="000000">
-                <a:alpha val="38000"/>
-              </a:srgbClr>
-            </a:outerShdw>
-          </a:effectLst>
-        </a:effectStyle>
-        <a:effectStyle>
-          <a:effectLst>
-            <a:outerShdw blurRad="40000" dist="23000" dir="5400000" rotWithShape="0">
-              <a:srgbClr val="000000">
-                <a:alpha val="35000"/>
-              </a:srgbClr>
-            </a:outerShdw>
-          </a:effectLst>
-        </a:effectStyle>
-        <a:effectStyle>
-          <a:effectLst>
-            <a:outerShdw blurRad="40000" dist="23000" dir="5400000" rotWithShape="0">
-              <a:srgbClr val="000000">
-                <a:alpha val="35000"/>
-              </a:srgbClr>
-            </a:outerShdw>
-          </a:effectLst>
-          <a:scene3d>
-            <a:camera prst="orthographicFront">
-              <a:rot lat="0" lon="0" rev="0"/>
-            </a:camera>
-            <a:lightRig rig="threePt" dir="t">
-              <a:rot lat="0" lon="0" rev="1200000"/>
-            </a:lightRig>
-          </a:scene3d>
-          <a:sp3d>
-            <a:bevelT w="63500" h="25400"/>
-          </a:sp3d>
-        </a:effectStyle>
-      </a:effectStyleLst>
-      <a:bgFillStyleLst>
-        <a:solidFill>
-          <a:schemeClr val="phClr"/>
-        </a:solidFill>
-        <a:gradFill rotWithShape="1">
-          <a:gsLst>
-            <a:gs pos="0">
-              <a:schemeClr val="phClr">
-                <a:tint val="40000"/>
-                <a:satMod val="350000"/>
-              </a:schemeClr>
-            </a:gs>
-            <a:gs pos="40000">
-              <a:schemeClr val="phClr">
-                <a:tint val="45000"/>
-                <a:shade val="99000"/>
-                <a:satMod val="350000"/>
-              </a:schemeClr>
-            </a:gs>
-            <a:gs pos="100000">
-              <a:schemeClr val="phClr">
-                <a:shade val="20000"/>
-                <a:satMod val="255000"/>
-              </a:schemeClr>
-            </a:gs>
-          </a:gsLst>
-          <a:path path="circle">
-            <a:fillToRect l="50000" t="-80000" r="50000" b="180000"/>
-          </a:path>
-        </a:gradFill>
-        <a:gradFill rotWithShape="1">
-          <a:gsLst>
-            <a:gs pos="0">
-              <a:schemeClr val="phClr">
-                <a:tint val="80000"/>
-                <a:satMod val="300000"/>
-              </a:schemeClr>
-            </a:gs>
-            <a:gs pos="100000">
-              <a:schemeClr val="phClr">
-                <a:shade val="30000"/>
-                <a:satMod val="200000"/>
-              </a:schemeClr>
-            </a:gs>
-          </a:gsLst>
-          <a:path path="circle">
-            <a:fillToRect l="50000" t="50000" r="50000" b="50000"/>
-          </a:path>
-        </a:gradFill>
-      </a:bgFillStyleLst>
-    </a:fmtScheme>
-  </a:themeElements>
-  <a:objectDefaults/>
-  <a:extraClrSchemeLst/>
-</a:theme>
 </file>